--- a/QuantumLink_Bemutató.pptx
+++ b/QuantumLink_Bemutató.pptx
@@ -920,7 +920,7 @@
 <dgm:dataModel xmlns:dgm="http://schemas.openxmlformats.org/drawingml/2006/diagram" xmlns:a="http://schemas.openxmlformats.org/drawingml/2006/main">
   <dgm:ptLst>
     <dgm:pt modelId="{8AF516B5-C9EB-439F-92DD-57D426EEFDB1}" type="doc">
-      <dgm:prSet loTypeId="urn:microsoft.com/office/officeart/2005/8/layout/vList2" loCatId="list" qsTypeId="urn:microsoft.com/office/officeart/2005/8/quickstyle/simple1" qsCatId="simple" csTypeId="urn:microsoft.com/office/officeart/2005/8/colors/colorful2" csCatId="colorful"/>
+      <dgm:prSet loTypeId="urn:microsoft.com/office/officeart/2005/8/layout/vList2" loCatId="list" qsTypeId="urn:microsoft.com/office/officeart/2005/8/quickstyle/simple1" qsCatId="simple" csTypeId="urn:microsoft.com/office/officeart/2005/8/colors/colorful2" csCatId="colorful" phldr="1"/>
       <dgm:spPr/>
       <dgm:t>
         <a:bodyPr/>
@@ -1160,10 +1160,9 @@
         <a:lstStyle/>
         <a:p>
           <a:r>
-            <a:rPr lang="hu-HU"/>
+            <a:rPr lang="hu-HU" dirty="0"/>
             <a:t>Tesztvideók: OneDrive-on</a:t>
           </a:r>
-          <a:endParaRPr lang="en-US"/>
         </a:p>
       </dgm:t>
     </dgm:pt>
@@ -1189,6 +1188,39 @@
         </a:p>
       </dgm:t>
     </dgm:pt>
+    <dgm:pt modelId="{6905BC5F-092E-4854-BBC2-B32C26C76EAC}">
+      <dgm:prSet/>
+      <dgm:spPr/>
+      <dgm:t>
+        <a:bodyPr/>
+        <a:lstStyle/>
+        <a:p>
+          <a:endParaRPr lang="hu-HU"/>
+        </a:p>
+      </dgm:t>
+    </dgm:pt>
+    <dgm:pt modelId="{0AE0C4D6-BBA2-45F2-B44B-C0E1689344F3}" type="parTrans" cxnId="{048AF38F-A14A-4F76-B8A5-A3257107A9A2}">
+      <dgm:prSet/>
+      <dgm:spPr/>
+      <dgm:t>
+        <a:bodyPr/>
+        <a:lstStyle/>
+        <a:p>
+          <a:endParaRPr lang="hu-HU"/>
+        </a:p>
+      </dgm:t>
+    </dgm:pt>
+    <dgm:pt modelId="{16681F08-9D6F-4494-BA58-A22334777DD4}" type="sibTrans" cxnId="{048AF38F-A14A-4F76-B8A5-A3257107A9A2}">
+      <dgm:prSet/>
+      <dgm:spPr/>
+      <dgm:t>
+        <a:bodyPr/>
+        <a:lstStyle/>
+        <a:p>
+          <a:endParaRPr lang="hu-HU"/>
+        </a:p>
+      </dgm:t>
+    </dgm:pt>
     <dgm:pt modelId="{EF50A847-FFF5-41D2-A3AE-7DE7911156CB}" type="pres">
       <dgm:prSet presAssocID="{8AF516B5-C9EB-439F-92DD-57D426EEFDB1}" presName="linear" presStyleCnt="0">
         <dgm:presLayoutVars>
@@ -1199,7 +1231,7 @@
       <dgm:spPr/>
     </dgm:pt>
     <dgm:pt modelId="{6FBDC662-A20D-4189-893A-D7D5B129699E}" type="pres">
-      <dgm:prSet presAssocID="{343EB444-0A96-496D-87CD-CCFA3EAF30A7}" presName="parentText" presStyleLbl="node1" presStyleIdx="0" presStyleCnt="7">
+      <dgm:prSet presAssocID="{343EB444-0A96-496D-87CD-CCFA3EAF30A7}" presName="parentText" presStyleLbl="node1" presStyleIdx="0" presStyleCnt="8">
         <dgm:presLayoutVars>
           <dgm:chMax val="0"/>
           <dgm:bulletEnabled val="1"/>
@@ -1212,7 +1244,7 @@
       <dgm:spPr/>
     </dgm:pt>
     <dgm:pt modelId="{FDDF2554-B121-408F-9E11-70C22C51AF2D}" type="pres">
-      <dgm:prSet presAssocID="{A57491D7-BAE0-4124-8B37-2291EA881512}" presName="parentText" presStyleLbl="node1" presStyleIdx="1" presStyleCnt="7">
+      <dgm:prSet presAssocID="{A57491D7-BAE0-4124-8B37-2291EA881512}" presName="parentText" presStyleLbl="node1" presStyleIdx="1" presStyleCnt="8">
         <dgm:presLayoutVars>
           <dgm:chMax val="0"/>
           <dgm:bulletEnabled val="1"/>
@@ -1225,7 +1257,7 @@
       <dgm:spPr/>
     </dgm:pt>
     <dgm:pt modelId="{56612F72-03E6-4EDD-81C8-4FAD22300CC1}" type="pres">
-      <dgm:prSet presAssocID="{1BE6F74E-54FE-4A9F-90F6-2388A2F07907}" presName="parentText" presStyleLbl="node1" presStyleIdx="2" presStyleCnt="7">
+      <dgm:prSet presAssocID="{1BE6F74E-54FE-4A9F-90F6-2388A2F07907}" presName="parentText" presStyleLbl="node1" presStyleIdx="2" presStyleCnt="8">
         <dgm:presLayoutVars>
           <dgm:chMax val="0"/>
           <dgm:bulletEnabled val="1"/>
@@ -1238,7 +1270,7 @@
       <dgm:spPr/>
     </dgm:pt>
     <dgm:pt modelId="{3DA24FCF-6C44-404C-9B19-71787E382E50}" type="pres">
-      <dgm:prSet presAssocID="{9396EA29-E006-4BE8-AE52-EF7C1DA7A13F}" presName="parentText" presStyleLbl="node1" presStyleIdx="3" presStyleCnt="7">
+      <dgm:prSet presAssocID="{9396EA29-E006-4BE8-AE52-EF7C1DA7A13F}" presName="parentText" presStyleLbl="node1" presStyleIdx="3" presStyleCnt="8">
         <dgm:presLayoutVars>
           <dgm:chMax val="0"/>
           <dgm:bulletEnabled val="1"/>
@@ -1251,7 +1283,7 @@
       <dgm:spPr/>
     </dgm:pt>
     <dgm:pt modelId="{1B044D9D-3C3B-4B4B-8E2E-7947C02A0503}" type="pres">
-      <dgm:prSet presAssocID="{93BF6F82-7CCE-4E79-BBBC-0059A4FEBF52}" presName="parentText" presStyleLbl="node1" presStyleIdx="4" presStyleCnt="7">
+      <dgm:prSet presAssocID="{93BF6F82-7CCE-4E79-BBBC-0059A4FEBF52}" presName="parentText" presStyleLbl="node1" presStyleIdx="4" presStyleCnt="8">
         <dgm:presLayoutVars>
           <dgm:chMax val="0"/>
           <dgm:bulletEnabled val="1"/>
@@ -1264,7 +1296,7 @@
       <dgm:spPr/>
     </dgm:pt>
     <dgm:pt modelId="{DE66709F-9C70-49A2-9896-39BA4B603620}" type="pres">
-      <dgm:prSet presAssocID="{E92E3784-80F5-4F67-8964-CD554D5FA779}" presName="parentText" presStyleLbl="node1" presStyleIdx="5" presStyleCnt="7">
+      <dgm:prSet presAssocID="{E92E3784-80F5-4F67-8964-CD554D5FA779}" presName="parentText" presStyleLbl="node1" presStyleIdx="5" presStyleCnt="8">
         <dgm:presLayoutVars>
           <dgm:chMax val="0"/>
           <dgm:bulletEnabled val="1"/>
@@ -1277,7 +1309,20 @@
       <dgm:spPr/>
     </dgm:pt>
     <dgm:pt modelId="{0A91F746-9909-42E5-AC81-D97A6E42CBCE}" type="pres">
-      <dgm:prSet presAssocID="{2833DBC6-6C4E-4BAB-8B05-774483284FC3}" presName="parentText" presStyleLbl="node1" presStyleIdx="6" presStyleCnt="7">
+      <dgm:prSet presAssocID="{2833DBC6-6C4E-4BAB-8B05-774483284FC3}" presName="parentText" presStyleLbl="node1" presStyleIdx="6" presStyleCnt="8">
+        <dgm:presLayoutVars>
+          <dgm:chMax val="0"/>
+          <dgm:bulletEnabled val="1"/>
+        </dgm:presLayoutVars>
+      </dgm:prSet>
+      <dgm:spPr/>
+    </dgm:pt>
+    <dgm:pt modelId="{D6216528-4C92-4460-AC28-2FF1151413D4}" type="pres">
+      <dgm:prSet presAssocID="{C04DD8EE-1B6B-4FD6-B423-6E37FC86D1C7}" presName="spacer" presStyleCnt="0"/>
+      <dgm:spPr/>
+    </dgm:pt>
+    <dgm:pt modelId="{DE32AA01-889A-4335-85D2-8F461154E862}" type="pres">
+      <dgm:prSet presAssocID="{6905BC5F-092E-4854-BBC2-B32C26C76EAC}" presName="parentText" presStyleLbl="node1" presStyleIdx="7" presStyleCnt="8">
         <dgm:presLayoutVars>
           <dgm:chMax val="0"/>
           <dgm:bulletEnabled val="1"/>
@@ -1291,11 +1336,13 @@
     <dgm:cxn modelId="{3E85DB27-9670-437B-8699-8C8060390F7C}" srcId="{8AF516B5-C9EB-439F-92DD-57D426EEFDB1}" destId="{93BF6F82-7CCE-4E79-BBBC-0059A4FEBF52}" srcOrd="4" destOrd="0" parTransId="{DF6206B2-EF3A-43ED-9010-2978ECE0182B}" sibTransId="{D8B45B3A-ECC4-46C5-9E56-9E9A8ED9CFD6}"/>
     <dgm:cxn modelId="{A5F67C2A-477B-43E6-B9B1-551448E869BA}" type="presOf" srcId="{1BE6F74E-54FE-4A9F-90F6-2388A2F07907}" destId="{56612F72-03E6-4EDD-81C8-4FAD22300CC1}" srcOrd="0" destOrd="0" presId="urn:microsoft.com/office/officeart/2005/8/layout/vList2"/>
     <dgm:cxn modelId="{4B04563B-B4C0-461F-BC42-91F873E1FF90}" type="presOf" srcId="{E92E3784-80F5-4F67-8964-CD554D5FA779}" destId="{DE66709F-9C70-49A2-9896-39BA4B603620}" srcOrd="0" destOrd="0" presId="urn:microsoft.com/office/officeart/2005/8/layout/vList2"/>
+    <dgm:cxn modelId="{1179D55E-E1B6-47AA-BFB1-F3BBDDE9F3EE}" type="presOf" srcId="{6905BC5F-092E-4854-BBC2-B32C26C76EAC}" destId="{DE32AA01-889A-4335-85D2-8F461154E862}" srcOrd="0" destOrd="0" presId="urn:microsoft.com/office/officeart/2005/8/layout/vList2"/>
     <dgm:cxn modelId="{068A7A67-4675-49B1-BE3A-497B353BB9E7}" type="presOf" srcId="{343EB444-0A96-496D-87CD-CCFA3EAF30A7}" destId="{6FBDC662-A20D-4189-893A-D7D5B129699E}" srcOrd="0" destOrd="0" presId="urn:microsoft.com/office/officeart/2005/8/layout/vList2"/>
     <dgm:cxn modelId="{2910D36C-0E90-45C8-9FD7-9A7C1CCF1F9A}" type="presOf" srcId="{2833DBC6-6C4E-4BAB-8B05-774483284FC3}" destId="{0A91F746-9909-42E5-AC81-D97A6E42CBCE}" srcOrd="0" destOrd="0" presId="urn:microsoft.com/office/officeart/2005/8/layout/vList2"/>
     <dgm:cxn modelId="{E39D1974-F234-474F-9EA3-4894282C9DD0}" srcId="{8AF516B5-C9EB-439F-92DD-57D426EEFDB1}" destId="{343EB444-0A96-496D-87CD-CCFA3EAF30A7}" srcOrd="0" destOrd="0" parTransId="{94713BCE-1637-498C-951D-7E29CAA0C98C}" sibTransId="{C08A3260-CAB0-4083-8C33-4D8F16623E1F}"/>
     <dgm:cxn modelId="{C3DB455A-410A-4E64-99A2-E22EA778F0A0}" type="presOf" srcId="{9396EA29-E006-4BE8-AE52-EF7C1DA7A13F}" destId="{3DA24FCF-6C44-404C-9B19-71787E382E50}" srcOrd="0" destOrd="0" presId="urn:microsoft.com/office/officeart/2005/8/layout/vList2"/>
     <dgm:cxn modelId="{2F53E27D-290D-4AE1-8669-A51D9196B23E}" type="presOf" srcId="{A57491D7-BAE0-4124-8B37-2291EA881512}" destId="{FDDF2554-B121-408F-9E11-70C22C51AF2D}" srcOrd="0" destOrd="0" presId="urn:microsoft.com/office/officeart/2005/8/layout/vList2"/>
+    <dgm:cxn modelId="{048AF38F-A14A-4F76-B8A5-A3257107A9A2}" srcId="{8AF516B5-C9EB-439F-92DD-57D426EEFDB1}" destId="{6905BC5F-092E-4854-BBC2-B32C26C76EAC}" srcOrd="7" destOrd="0" parTransId="{0AE0C4D6-BBA2-45F2-B44B-C0E1689344F3}" sibTransId="{16681F08-9D6F-4494-BA58-A22334777DD4}"/>
     <dgm:cxn modelId="{B688A191-4F4C-45FC-9BB4-ECA6DE25F231}" srcId="{8AF516B5-C9EB-439F-92DD-57D426EEFDB1}" destId="{E92E3784-80F5-4F67-8964-CD554D5FA779}" srcOrd="5" destOrd="0" parTransId="{06F11A31-2652-42BC-ABCD-7C9CA0A66DCC}" sibTransId="{06B5DFE5-096E-41E0-8A18-7F024F297425}"/>
     <dgm:cxn modelId="{E3E0EEA4-13FA-422F-A02B-01A76A9F3161}" type="presOf" srcId="{8AF516B5-C9EB-439F-92DD-57D426EEFDB1}" destId="{EF50A847-FFF5-41D2-A3AE-7DE7911156CB}" srcOrd="0" destOrd="0" presId="urn:microsoft.com/office/officeart/2005/8/layout/vList2"/>
     <dgm:cxn modelId="{941246AD-4266-4EEA-B252-EB7E9E6D9A77}" srcId="{8AF516B5-C9EB-439F-92DD-57D426EEFDB1}" destId="{2833DBC6-6C4E-4BAB-8B05-774483284FC3}" srcOrd="6" destOrd="0" parTransId="{49AF8D20-8EEE-4C7D-B15F-D53777FB2609}" sibTransId="{C04DD8EE-1B6B-4FD6-B423-6E37FC86D1C7}"/>
@@ -1315,6 +1362,8 @@
     <dgm:cxn modelId="{1FA6400E-E189-4E8C-883A-07DDB75DCEF7}" type="presParOf" srcId="{EF50A847-FFF5-41D2-A3AE-7DE7911156CB}" destId="{DE66709F-9C70-49A2-9896-39BA4B603620}" srcOrd="10" destOrd="0" presId="urn:microsoft.com/office/officeart/2005/8/layout/vList2"/>
     <dgm:cxn modelId="{00949F77-0386-4278-BA01-992D84489F24}" type="presParOf" srcId="{EF50A847-FFF5-41D2-A3AE-7DE7911156CB}" destId="{50AB5482-F9A7-40E5-B80A-1A53379BCF12}" srcOrd="11" destOrd="0" presId="urn:microsoft.com/office/officeart/2005/8/layout/vList2"/>
     <dgm:cxn modelId="{1EE11AB5-3A1F-467D-ABE1-10E85FF63A10}" type="presParOf" srcId="{EF50A847-FFF5-41D2-A3AE-7DE7911156CB}" destId="{0A91F746-9909-42E5-AC81-D97A6E42CBCE}" srcOrd="12" destOrd="0" presId="urn:microsoft.com/office/officeart/2005/8/layout/vList2"/>
+    <dgm:cxn modelId="{F3622E76-CBAD-40B9-B7E6-AADF31EDCB5B}" type="presParOf" srcId="{EF50A847-FFF5-41D2-A3AE-7DE7911156CB}" destId="{D6216528-4C92-4460-AC28-2FF1151413D4}" srcOrd="13" destOrd="0" presId="urn:microsoft.com/office/officeart/2005/8/layout/vList2"/>
+    <dgm:cxn modelId="{6A03A41E-9A3B-4CD7-B3BF-92D7BC98AE71}" type="presParOf" srcId="{EF50A847-FFF5-41D2-A3AE-7DE7911156CB}" destId="{DE32AA01-889A-4335-85D2-8F461154E862}" srcOrd="14" destOrd="0" presId="urn:microsoft.com/office/officeart/2005/8/layout/vList2"/>
   </dgm:cxnLst>
   <dgm:bg/>
   <dgm:whole/>
@@ -1341,7 +1390,7 @@
       </dsp:nvSpPr>
       <dsp:spPr>
         <a:xfrm>
-          <a:off x="0" y="1029290"/>
+          <a:off x="0" y="779630"/>
           <a:ext cx="6171948" cy="444600"/>
         </a:xfrm>
         <a:prstGeom prst="roundRect">
@@ -1409,7 +1458,7 @@
         </a:p>
       </dsp:txBody>
       <dsp:txXfrm>
-        <a:off x="21704" y="1050994"/>
+        <a:off x="21704" y="801334"/>
         <a:ext cx="6128540" cy="401192"/>
       </dsp:txXfrm>
     </dsp:sp>
@@ -1420,7 +1469,7 @@
       </dsp:nvSpPr>
       <dsp:spPr>
         <a:xfrm>
-          <a:off x="0" y="1528610"/>
+          <a:off x="0" y="1278950"/>
           <a:ext cx="6171948" cy="444600"/>
         </a:xfrm>
         <a:prstGeom prst="roundRect">
@@ -1428,9 +1477,9 @@
         </a:prstGeom>
         <a:solidFill>
           <a:schemeClr val="accent2">
-            <a:hueOff val="-67869"/>
-            <a:satOff val="-582"/>
-            <a:lumOff val="-3856"/>
+            <a:hueOff val="-58173"/>
+            <a:satOff val="-499"/>
+            <a:lumOff val="-3305"/>
             <a:alphaOff val="0"/>
           </a:schemeClr>
         </a:solidFill>
@@ -1488,7 +1537,7 @@
         </a:p>
       </dsp:txBody>
       <dsp:txXfrm>
-        <a:off x="21704" y="1550314"/>
+        <a:off x="21704" y="1300654"/>
         <a:ext cx="6128540" cy="401192"/>
       </dsp:txXfrm>
     </dsp:sp>
@@ -1499,7 +1548,7 @@
       </dsp:nvSpPr>
       <dsp:spPr>
         <a:xfrm>
-          <a:off x="0" y="2027930"/>
+          <a:off x="0" y="1778270"/>
           <a:ext cx="6171948" cy="444600"/>
         </a:xfrm>
         <a:prstGeom prst="roundRect">
@@ -1507,9 +1556,9 @@
         </a:prstGeom>
         <a:solidFill>
           <a:schemeClr val="accent2">
-            <a:hueOff val="-135738"/>
-            <a:satOff val="-1163"/>
-            <a:lumOff val="-7712"/>
+            <a:hueOff val="-116347"/>
+            <a:satOff val="-997"/>
+            <a:lumOff val="-6611"/>
             <a:alphaOff val="0"/>
           </a:schemeClr>
         </a:solidFill>
@@ -1567,7 +1616,7 @@
         </a:p>
       </dsp:txBody>
       <dsp:txXfrm>
-        <a:off x="21704" y="2049634"/>
+        <a:off x="21704" y="1799974"/>
         <a:ext cx="6128540" cy="401192"/>
       </dsp:txXfrm>
     </dsp:sp>
@@ -1578,7 +1627,7 @@
       </dsp:nvSpPr>
       <dsp:spPr>
         <a:xfrm>
-          <a:off x="0" y="2527250"/>
+          <a:off x="0" y="2277590"/>
           <a:ext cx="6171948" cy="444600"/>
         </a:xfrm>
         <a:prstGeom prst="roundRect">
@@ -1586,9 +1635,9 @@
         </a:prstGeom>
         <a:solidFill>
           <a:schemeClr val="accent2">
-            <a:hueOff val="-203606"/>
-            <a:satOff val="-1745"/>
-            <a:lumOff val="-11568"/>
+            <a:hueOff val="-174520"/>
+            <a:satOff val="-1496"/>
+            <a:lumOff val="-9916"/>
             <a:alphaOff val="0"/>
           </a:schemeClr>
         </a:solidFill>
@@ -1646,7 +1695,7 @@
         </a:p>
       </dsp:txBody>
       <dsp:txXfrm>
-        <a:off x="21704" y="2548954"/>
+        <a:off x="21704" y="2299294"/>
         <a:ext cx="6128540" cy="401192"/>
       </dsp:txXfrm>
     </dsp:sp>
@@ -1657,7 +1706,7 @@
       </dsp:nvSpPr>
       <dsp:spPr>
         <a:xfrm>
-          <a:off x="0" y="3026570"/>
+          <a:off x="0" y="2776910"/>
           <a:ext cx="6171948" cy="444600"/>
         </a:xfrm>
         <a:prstGeom prst="roundRect">
@@ -1665,9 +1714,9 @@
         </a:prstGeom>
         <a:solidFill>
           <a:schemeClr val="accent2">
-            <a:hueOff val="-271475"/>
-            <a:satOff val="-2327"/>
-            <a:lumOff val="-15425"/>
+            <a:hueOff val="-232693"/>
+            <a:satOff val="-1994"/>
+            <a:lumOff val="-13221"/>
             <a:alphaOff val="0"/>
           </a:schemeClr>
         </a:solidFill>
@@ -1725,7 +1774,7 @@
         </a:p>
       </dsp:txBody>
       <dsp:txXfrm>
-        <a:off x="21704" y="3048274"/>
+        <a:off x="21704" y="2798614"/>
         <a:ext cx="6128540" cy="401192"/>
       </dsp:txXfrm>
     </dsp:sp>
@@ -1736,7 +1785,7 @@
       </dsp:nvSpPr>
       <dsp:spPr>
         <a:xfrm>
-          <a:off x="0" y="3525890"/>
+          <a:off x="0" y="3276230"/>
           <a:ext cx="6171948" cy="444600"/>
         </a:xfrm>
         <a:prstGeom prst="roundRect">
@@ -1744,9 +1793,9 @@
         </a:prstGeom>
         <a:solidFill>
           <a:schemeClr val="accent2">
-            <a:hueOff val="-339344"/>
-            <a:satOff val="-2908"/>
-            <a:lumOff val="-19281"/>
+            <a:hueOff val="-290866"/>
+            <a:satOff val="-2493"/>
+            <a:lumOff val="-16526"/>
             <a:alphaOff val="0"/>
           </a:schemeClr>
         </a:solidFill>
@@ -1804,7 +1853,7 @@
         </a:p>
       </dsp:txBody>
       <dsp:txXfrm>
-        <a:off x="21704" y="3547594"/>
+        <a:off x="21704" y="3297934"/>
         <a:ext cx="6128540" cy="401192"/>
       </dsp:txXfrm>
     </dsp:sp>
@@ -1815,7 +1864,85 @@
       </dsp:nvSpPr>
       <dsp:spPr>
         <a:xfrm>
-          <a:off x="0" y="4025209"/>
+          <a:off x="0" y="3775550"/>
+          <a:ext cx="6171948" cy="444600"/>
+        </a:xfrm>
+        <a:prstGeom prst="roundRect">
+          <a:avLst/>
+        </a:prstGeom>
+        <a:solidFill>
+          <a:schemeClr val="accent2">
+            <a:hueOff val="-349040"/>
+            <a:satOff val="-2991"/>
+            <a:lumOff val="-19832"/>
+            <a:alphaOff val="0"/>
+          </a:schemeClr>
+        </a:solidFill>
+        <a:ln w="12700" cap="flat" cmpd="sng" algn="ctr">
+          <a:solidFill>
+            <a:schemeClr val="lt1">
+              <a:hueOff val="0"/>
+              <a:satOff val="0"/>
+              <a:lumOff val="0"/>
+              <a:alphaOff val="0"/>
+            </a:schemeClr>
+          </a:solidFill>
+          <a:prstDash val="solid"/>
+          <a:miter lim="800000"/>
+        </a:ln>
+        <a:effectLst/>
+      </dsp:spPr>
+      <dsp:style>
+        <a:lnRef idx="2">
+          <a:scrgbClr r="0" g="0" b="0"/>
+        </a:lnRef>
+        <a:fillRef idx="1">
+          <a:scrgbClr r="0" g="0" b="0"/>
+        </a:fillRef>
+        <a:effectRef idx="0">
+          <a:scrgbClr r="0" g="0" b="0"/>
+        </a:effectRef>
+        <a:fontRef idx="minor">
+          <a:schemeClr val="lt1"/>
+        </a:fontRef>
+      </dsp:style>
+      <dsp:txBody>
+        <a:bodyPr spcFirstLastPara="0" vert="horz" wrap="square" lIns="72390" tIns="72390" rIns="72390" bIns="72390" numCol="1" spcCol="1270" anchor="ctr" anchorCtr="0">
+          <a:noAutofit/>
+        </a:bodyPr>
+        <a:lstStyle/>
+        <a:p>
+          <a:pPr marL="0" lvl="0" indent="0" algn="l" defTabSz="844550">
+            <a:lnSpc>
+              <a:spcPct val="90000"/>
+            </a:lnSpc>
+            <a:spcBef>
+              <a:spcPct val="0"/>
+            </a:spcBef>
+            <a:spcAft>
+              <a:spcPct val="35000"/>
+            </a:spcAft>
+            <a:buNone/>
+          </a:pPr>
+          <a:r>
+            <a:rPr lang="hu-HU" sz="1900" kern="1200" dirty="0"/>
+            <a:t>Tesztvideók: OneDrive-on</a:t>
+          </a:r>
+        </a:p>
+      </dsp:txBody>
+      <dsp:txXfrm>
+        <a:off x="21704" y="3797254"/>
+        <a:ext cx="6128540" cy="401192"/>
+      </dsp:txXfrm>
+    </dsp:sp>
+    <dsp:sp modelId="{DE32AA01-889A-4335-85D2-8F461154E862}">
+      <dsp:nvSpPr>
+        <dsp:cNvPr id="0" name=""/>
+        <dsp:cNvSpPr/>
+      </dsp:nvSpPr>
+      <dsp:spPr>
+        <a:xfrm>
+          <a:off x="0" y="4274869"/>
           <a:ext cx="6171948" cy="444600"/>
         </a:xfrm>
         <a:prstGeom prst="roundRect">
@@ -1875,15 +2002,11 @@
             </a:spcAft>
             <a:buNone/>
           </a:pPr>
-          <a:r>
-            <a:rPr lang="hu-HU" sz="1900" kern="1200"/>
-            <a:t>Tesztvideók: OneDrive-on</a:t>
-          </a:r>
-          <a:endParaRPr lang="en-US" sz="1900" kern="1200"/>
+          <a:endParaRPr lang="hu-HU" sz="1900" kern="1200"/>
         </a:p>
       </dsp:txBody>
       <dsp:txXfrm>
-        <a:off x="21704" y="4046913"/>
+        <a:off x="21704" y="4296573"/>
         <a:ext cx="6128540" cy="401192"/>
       </dsp:txXfrm>
     </dsp:sp>
@@ -3245,7 +3368,7 @@
           <a:p>
             <a:fld id="{D1D1EADE-8E88-4C7C-8AC5-FB148DE4940E}" type="datetime1">
               <a:rPr lang="en-US" smtClean="0"/>
-              <a:t>5/12/2025</a:t>
+              <a:t>5/14/2025</a:t>
             </a:fld>
             <a:endParaRPr lang="en-US"/>
           </a:p>
@@ -3445,7 +3568,7 @@
           <a:p>
             <a:fld id="{EC3C8B9C-477D-492A-96AD-1FC2CC997A73}" type="datetime1">
               <a:rPr lang="en-US" smtClean="0"/>
-              <a:t>5/12/2025</a:t>
+              <a:t>5/14/2025</a:t>
             </a:fld>
             <a:endParaRPr lang="en-US"/>
           </a:p>
@@ -3655,7 +3778,7 @@
           <a:p>
             <a:fld id="{42D3AED5-E26D-4E29-B1B3-7847B6779594}" type="datetime1">
               <a:rPr lang="en-US" smtClean="0"/>
-              <a:t>5/12/2025</a:t>
+              <a:t>5/14/2025</a:t>
             </a:fld>
             <a:endParaRPr lang="en-US"/>
           </a:p>
@@ -3855,7 +3978,7 @@
           <a:p>
             <a:fld id="{157B6794-849E-4626-908B-D15793550EFB}" type="datetime1">
               <a:rPr lang="en-US" smtClean="0"/>
-              <a:t>5/12/2025</a:t>
+              <a:t>5/14/2025</a:t>
             </a:fld>
             <a:endParaRPr lang="en-US"/>
           </a:p>
@@ -4131,7 +4254,7 @@
           <a:p>
             <a:fld id="{63DB64E7-5594-42A3-ADBF-E95A7ACEAD64}" type="datetime1">
               <a:rPr lang="en-US" smtClean="0"/>
-              <a:t>5/12/2025</a:t>
+              <a:t>5/14/2025</a:t>
             </a:fld>
             <a:endParaRPr lang="en-US"/>
           </a:p>
@@ -4404,7 +4527,7 @@
           <a:p>
             <a:fld id="{18462B0B-D248-4FFB-8695-AD7FA4B1284A}" type="datetime1">
               <a:rPr lang="en-US" smtClean="0"/>
-              <a:t>5/12/2025</a:t>
+              <a:t>5/14/2025</a:t>
             </a:fld>
             <a:endParaRPr lang="en-US"/>
           </a:p>
@@ -4827,7 +4950,7 @@
           <a:p>
             <a:fld id="{D0378EFB-9159-4510-B73F-4F0409ADE937}" type="datetime1">
               <a:rPr lang="en-US" smtClean="0"/>
-              <a:t>5/12/2025</a:t>
+              <a:t>5/14/2025</a:t>
             </a:fld>
             <a:endParaRPr lang="en-US"/>
           </a:p>
@@ -4969,7 +5092,7 @@
           <a:p>
             <a:fld id="{89BC9412-2452-4BED-A324-9D8C115361AD}" type="datetime1">
               <a:rPr lang="en-US" smtClean="0"/>
-              <a:t>5/12/2025</a:t>
+              <a:t>5/14/2025</a:t>
             </a:fld>
             <a:endParaRPr lang="en-US"/>
           </a:p>
@@ -5082,7 +5205,7 @@
           <a:p>
             <a:fld id="{F5318F62-D251-40E8-A23C-F4CFE9FEAB41}" type="datetime1">
               <a:rPr lang="en-US" smtClean="0"/>
-              <a:t>5/12/2025</a:t>
+              <a:t>5/14/2025</a:t>
             </a:fld>
             <a:endParaRPr lang="en-US"/>
           </a:p>
@@ -5395,7 +5518,7 @@
           <a:p>
             <a:fld id="{44F76144-149E-4874-93A5-554A0357CF82}" type="datetime1">
               <a:rPr lang="en-US" smtClean="0"/>
-              <a:t>5/12/2025</a:t>
+              <a:t>5/14/2025</a:t>
             </a:fld>
             <a:endParaRPr lang="en-US"/>
           </a:p>
@@ -5688,7 +5811,7 @@
           <a:p>
             <a:fld id="{50BA65D8-0540-4835-AE5C-25D29DBA01BE}" type="datetime1">
               <a:rPr lang="en-US" smtClean="0"/>
-              <a:t>5/12/2025</a:t>
+              <a:t>5/14/2025</a:t>
             </a:fld>
             <a:endParaRPr lang="en-US"/>
           </a:p>
@@ -5930,7 +6053,7 @@
           <a:p>
             <a:fld id="{E31BA835-12AC-4E8F-955A-EA3F4DE2791F}" type="datetime1">
               <a:rPr lang="en-US" smtClean="0"/>
-              <a:t>5/12/2025</a:t>
+              <a:t>5/14/2025</a:t>
             </a:fld>
             <a:endParaRPr lang="en-US"/>
           </a:p>
@@ -6568,7 +6691,7 @@
         </p:blipFill>
         <p:spPr>
           <a:xfrm>
-            <a:off x="98323" y="10"/>
+            <a:off x="0" y="10"/>
             <a:ext cx="12191979" cy="6857990"/>
           </a:xfrm>
           <a:prstGeom prst="rect">
@@ -11564,7 +11687,7 @@
           <p:nvPr>
             <p:extLst>
               <p:ext uri="{D42A27DB-BD31-4B8C-83A1-F6EECF244321}">
-                <p14:modId xmlns:p14="http://schemas.microsoft.com/office/powerpoint/2010/main" val="3837029006"/>
+                <p14:modId xmlns:p14="http://schemas.microsoft.com/office/powerpoint/2010/main" val="4185911023"/>
               </p:ext>
             </p:extLst>
           </p:nvPr>
@@ -11579,6 +11702,45 @@
           </a:graphicData>
         </a:graphic>
       </p:graphicFrame>
+      <p:sp>
+        <p:nvSpPr>
+          <p:cNvPr id="3" name="Szövegdoboz 2">
+            <a:extLst>
+              <a:ext uri="{FF2B5EF4-FFF2-40B4-BE49-F238E27FC236}">
+                <a16:creationId xmlns:a16="http://schemas.microsoft.com/office/drawing/2014/main" id="{B43CBA3C-2B6A-7FAD-9FB2-E7D6CDE614E6}"/>
+              </a:ext>
+            </a:extLst>
+          </p:cNvPr>
+          <p:cNvSpPr txBox="1"/>
+          <p:nvPr/>
+        </p:nvSpPr>
+        <p:spPr>
+          <a:xfrm>
+            <a:off x="5219952" y="5058231"/>
+            <a:ext cx="5604388" cy="369332"/>
+          </a:xfrm>
+          <a:prstGeom prst="rect">
+            <a:avLst/>
+          </a:prstGeom>
+          <a:noFill/>
+        </p:spPr>
+        <p:txBody>
+          <a:bodyPr wrap="square" rtlCol="0">
+            <a:spAutoFit/>
+          </a:bodyPr>
+          <a:lstStyle/>
+          <a:p>
+            <a:r>
+              <a:rPr lang="hu-HU" dirty="0">
+                <a:solidFill>
+                  <a:schemeClr val="bg1"/>
+                </a:solidFill>
+              </a:rPr>
+              <a:t>Tesztdokumentáció: QuantumLink_teszt.docx</a:t>
+            </a:r>
+          </a:p>
+        </p:txBody>
+      </p:sp>
     </p:spTree>
     <p:extLst>
       <p:ext uri="{BB962C8B-B14F-4D97-AF65-F5344CB8AC3E}">
@@ -11839,7 +12001,7 @@
                 <a:latin typeface="Times New Roman" panose="02020603050405020304" pitchFamily="18" charset="0"/>
                 <a:cs typeface="Times New Roman" panose="02020603050405020304" pitchFamily="18" charset="0"/>
               </a:rPr>
-              <a:t>Technológiák: VLAN-ok, EtherChannel, WiFi, RADIUS szerver, DHCP, VPN kapcsolat, Dinamikus forgalomirányítás, IPv6 címzés</a:t>
+              <a:t>Technológiák: VLAN-ok, EtherChannel, WiFi, RADIUS szerver, DHCP, VPN kapcsolat, PPP, Dinamikus forgalomirányítás, IPv6 címzés</a:t>
             </a:r>
             <a:endParaRPr lang="hu-HU" dirty="0">
               <a:latin typeface="Times New Roman" panose="02020603050405020304" pitchFamily="18" charset="0"/>
@@ -12152,7 +12314,7 @@
         </p:spPr>
         <p:txBody>
           <a:bodyPr vert="horz" lIns="91440" tIns="45720" rIns="91440" bIns="45720" rtlCol="0" anchor="t">
-            <a:normAutofit/>
+            <a:normAutofit fontScale="92500"/>
           </a:bodyPr>
           <a:lstStyle/>
           <a:p>
@@ -12162,8 +12324,52 @@
               </a:spcBef>
             </a:pPr>
             <a:r>
-              <a:rPr lang="en-US" sz="1600"/>
-              <a:t>Technológiák: ASA tűzfal, Dinamikus forgalomirányítás, Linux szerver (HTTP)</a:t>
+              <a:rPr lang="en-US" sz="1600" dirty="0" err="1"/>
+              <a:t>Technológiák</a:t>
+            </a:r>
+            <a:r>
+              <a:rPr lang="en-US" sz="1600" dirty="0"/>
+              <a:t>: </a:t>
+            </a:r>
+            <a:r>
+              <a:rPr lang="hu-HU" sz="1600" dirty="0"/>
+              <a:t>PPP, </a:t>
+            </a:r>
+            <a:r>
+              <a:rPr lang="en-US" sz="1600" dirty="0"/>
+              <a:t>ASA </a:t>
+            </a:r>
+            <a:r>
+              <a:rPr lang="en-US" sz="1600" dirty="0" err="1"/>
+              <a:t>tűzfal</a:t>
+            </a:r>
+            <a:r>
+              <a:rPr lang="en-US" sz="1600" dirty="0"/>
+              <a:t>, </a:t>
+            </a:r>
+            <a:r>
+              <a:rPr lang="en-US" sz="1600" dirty="0" err="1"/>
+              <a:t>Dinamikus</a:t>
+            </a:r>
+            <a:r>
+              <a:rPr lang="en-US" sz="1600" dirty="0"/>
+              <a:t> </a:t>
+            </a:r>
+            <a:r>
+              <a:rPr lang="en-US" sz="1600" dirty="0" err="1"/>
+              <a:t>forgalomirányítás</a:t>
+            </a:r>
+            <a:r>
+              <a:rPr lang="en-US" sz="1600" dirty="0"/>
+              <a:t>, Linux </a:t>
+            </a:r>
+            <a:r>
+              <a:rPr lang="en-US" sz="1600" dirty="0" err="1"/>
+              <a:t>szerver</a:t>
+            </a:r>
+            <a:r>
+              <a:rPr lang="en-US" sz="1600" dirty="0"/>
+              <a:t> (HTTP)</a:t>
             </a:r>
           </a:p>
         </p:txBody>
@@ -12567,9 +12773,50 @@
               </a:spcBef>
             </a:pPr>
             <a:r>
-              <a:rPr lang="en-US"/>
-              <a:t>Technológiák: HSRP, Dinamikus forgalomirányítás, Windows szerver, IPv6 címzés</a:t>
-            </a:r>
+              <a:rPr lang="en-US" dirty="0" err="1"/>
+              <a:t>Technológiák</a:t>
+            </a:r>
+            <a:r>
+              <a:rPr lang="en-US" dirty="0"/>
+              <a:t>: HSRP, </a:t>
+            </a:r>
+            <a:r>
+              <a:rPr lang="en-US" dirty="0" err="1"/>
+              <a:t>Dinamikus</a:t>
+            </a:r>
+            <a:r>
+              <a:rPr lang="en-US" dirty="0"/>
+              <a:t> </a:t>
+            </a:r>
+            <a:r>
+              <a:rPr lang="en-US" dirty="0" err="1"/>
+              <a:t>forgalomirányítás</a:t>
+            </a:r>
+            <a:r>
+              <a:rPr lang="en-US" dirty="0"/>
+              <a:t>,</a:t>
+            </a:r>
+            <a:r>
+              <a:rPr lang="hu-HU" dirty="0"/>
+              <a:t> PPP,</a:t>
+            </a:r>
+            <a:r>
+              <a:rPr lang="en-US" dirty="0"/>
+              <a:t> Windows </a:t>
+            </a:r>
+            <a:r>
+              <a:rPr lang="en-US" dirty="0" err="1"/>
+              <a:t>szerver</a:t>
+            </a:r>
+            <a:r>
+              <a:rPr lang="en-US" dirty="0"/>
+              <a:t>, IPv6 </a:t>
+            </a:r>
+            <a:r>
+              <a:rPr lang="en-US" dirty="0" err="1"/>
+              <a:t>címzés</a:t>
+            </a:r>
+            <a:endParaRPr lang="en-US" dirty="0"/>
           </a:p>
         </p:txBody>
       </p:sp>
